--- a/EFI/Bootloader/Settings/resolution/BannerEditor_1366x768.pptx
+++ b/EFI/Bootloader/Settings/resolution/BannerEditor_1366x768.pptx
@@ -254,7 +254,7 @@
           <a:p>
             <a:fld id="{C07FA1C5-4E88-460E-ADE5-BF3AC8D5E403}" type="datetimeFigureOut">
               <a:rPr lang="zh-CN" altLang="en-US" smtClean="0"/>
-              <a:t>2023-1-10</a:t>
+              <a:t>2023-1-21</a:t>
             </a:fld>
             <a:endParaRPr lang="zh-CN" altLang="en-US"/>
           </a:p>
@@ -305,7 +305,7 @@
     </p:spTree>
     <p:extLst>
       <p:ext uri="{BB962C8B-B14F-4D97-AF65-F5344CB8AC3E}">
-        <p14:creationId xmlns:p14="http://schemas.microsoft.com/office/powerpoint/2010/main" val="458697288"/>
+        <p14:creationId xmlns:p14="http://schemas.microsoft.com/office/powerpoint/2010/main" val="1716694860"/>
       </p:ext>
     </p:extLst>
   </p:cSld>
@@ -424,7 +424,7 @@
           <a:p>
             <a:fld id="{C07FA1C5-4E88-460E-ADE5-BF3AC8D5E403}" type="datetimeFigureOut">
               <a:rPr lang="zh-CN" altLang="en-US" smtClean="0"/>
-              <a:t>2023-1-10</a:t>
+              <a:t>2023-1-21</a:t>
             </a:fld>
             <a:endParaRPr lang="zh-CN" altLang="en-US"/>
           </a:p>
@@ -475,7 +475,7 @@
     </p:spTree>
     <p:extLst>
       <p:ext uri="{BB962C8B-B14F-4D97-AF65-F5344CB8AC3E}">
-        <p14:creationId xmlns:p14="http://schemas.microsoft.com/office/powerpoint/2010/main" val="3179199529"/>
+        <p14:creationId xmlns:p14="http://schemas.microsoft.com/office/powerpoint/2010/main" val="2581656207"/>
       </p:ext>
     </p:extLst>
   </p:cSld>
@@ -604,7 +604,7 @@
           <a:p>
             <a:fld id="{C07FA1C5-4E88-460E-ADE5-BF3AC8D5E403}" type="datetimeFigureOut">
               <a:rPr lang="zh-CN" altLang="en-US" smtClean="0"/>
-              <a:t>2023-1-10</a:t>
+              <a:t>2023-1-21</a:t>
             </a:fld>
             <a:endParaRPr lang="zh-CN" altLang="en-US"/>
           </a:p>
@@ -655,7 +655,7 @@
     </p:spTree>
     <p:extLst>
       <p:ext uri="{BB962C8B-B14F-4D97-AF65-F5344CB8AC3E}">
-        <p14:creationId xmlns:p14="http://schemas.microsoft.com/office/powerpoint/2010/main" val="2091073983"/>
+        <p14:creationId xmlns:p14="http://schemas.microsoft.com/office/powerpoint/2010/main" val="2328123816"/>
       </p:ext>
     </p:extLst>
   </p:cSld>
@@ -774,7 +774,7 @@
           <a:p>
             <a:fld id="{C07FA1C5-4E88-460E-ADE5-BF3AC8D5E403}" type="datetimeFigureOut">
               <a:rPr lang="zh-CN" altLang="en-US" smtClean="0"/>
-              <a:t>2023-1-10</a:t>
+              <a:t>2023-1-21</a:t>
             </a:fld>
             <a:endParaRPr lang="zh-CN" altLang="en-US"/>
           </a:p>
@@ -825,7 +825,7 @@
     </p:spTree>
     <p:extLst>
       <p:ext uri="{BB962C8B-B14F-4D97-AF65-F5344CB8AC3E}">
-        <p14:creationId xmlns:p14="http://schemas.microsoft.com/office/powerpoint/2010/main" val="2281390573"/>
+        <p14:creationId xmlns:p14="http://schemas.microsoft.com/office/powerpoint/2010/main" val="1517772468"/>
       </p:ext>
     </p:extLst>
   </p:cSld>
@@ -1020,7 +1020,7 @@
           <a:p>
             <a:fld id="{C07FA1C5-4E88-460E-ADE5-BF3AC8D5E403}" type="datetimeFigureOut">
               <a:rPr lang="zh-CN" altLang="en-US" smtClean="0"/>
-              <a:t>2023-1-10</a:t>
+              <a:t>2023-1-21</a:t>
             </a:fld>
             <a:endParaRPr lang="zh-CN" altLang="en-US"/>
           </a:p>
@@ -1071,7 +1071,7 @@
     </p:spTree>
     <p:extLst>
       <p:ext uri="{BB962C8B-B14F-4D97-AF65-F5344CB8AC3E}">
-        <p14:creationId xmlns:p14="http://schemas.microsoft.com/office/powerpoint/2010/main" val="507180889"/>
+        <p14:creationId xmlns:p14="http://schemas.microsoft.com/office/powerpoint/2010/main" val="3117618243"/>
       </p:ext>
     </p:extLst>
   </p:cSld>
@@ -1252,7 +1252,7 @@
           <a:p>
             <a:fld id="{C07FA1C5-4E88-460E-ADE5-BF3AC8D5E403}" type="datetimeFigureOut">
               <a:rPr lang="zh-CN" altLang="en-US" smtClean="0"/>
-              <a:t>2023-1-10</a:t>
+              <a:t>2023-1-21</a:t>
             </a:fld>
             <a:endParaRPr lang="zh-CN" altLang="en-US"/>
           </a:p>
@@ -1303,7 +1303,7 @@
     </p:spTree>
     <p:extLst>
       <p:ext uri="{BB962C8B-B14F-4D97-AF65-F5344CB8AC3E}">
-        <p14:creationId xmlns:p14="http://schemas.microsoft.com/office/powerpoint/2010/main" val="1175988685"/>
+        <p14:creationId xmlns:p14="http://schemas.microsoft.com/office/powerpoint/2010/main" val="424426014"/>
       </p:ext>
     </p:extLst>
   </p:cSld>
@@ -1619,7 +1619,7 @@
           <a:p>
             <a:fld id="{C07FA1C5-4E88-460E-ADE5-BF3AC8D5E403}" type="datetimeFigureOut">
               <a:rPr lang="zh-CN" altLang="en-US" smtClean="0"/>
-              <a:t>2023-1-10</a:t>
+              <a:t>2023-1-21</a:t>
             </a:fld>
             <a:endParaRPr lang="zh-CN" altLang="en-US"/>
           </a:p>
@@ -1670,7 +1670,7 @@
     </p:spTree>
     <p:extLst>
       <p:ext uri="{BB962C8B-B14F-4D97-AF65-F5344CB8AC3E}">
-        <p14:creationId xmlns:p14="http://schemas.microsoft.com/office/powerpoint/2010/main" val="2936906930"/>
+        <p14:creationId xmlns:p14="http://schemas.microsoft.com/office/powerpoint/2010/main" val="2755238005"/>
       </p:ext>
     </p:extLst>
   </p:cSld>
@@ -1737,7 +1737,7 @@
           <a:p>
             <a:fld id="{C07FA1C5-4E88-460E-ADE5-BF3AC8D5E403}" type="datetimeFigureOut">
               <a:rPr lang="zh-CN" altLang="en-US" smtClean="0"/>
-              <a:t>2023-1-10</a:t>
+              <a:t>2023-1-21</a:t>
             </a:fld>
             <a:endParaRPr lang="zh-CN" altLang="en-US"/>
           </a:p>
@@ -1788,7 +1788,7 @@
     </p:spTree>
     <p:extLst>
       <p:ext uri="{BB962C8B-B14F-4D97-AF65-F5344CB8AC3E}">
-        <p14:creationId xmlns:p14="http://schemas.microsoft.com/office/powerpoint/2010/main" val="77906261"/>
+        <p14:creationId xmlns:p14="http://schemas.microsoft.com/office/powerpoint/2010/main" val="3194333591"/>
       </p:ext>
     </p:extLst>
   </p:cSld>
@@ -1832,7 +1832,7 @@
           <a:p>
             <a:fld id="{C07FA1C5-4E88-460E-ADE5-BF3AC8D5E403}" type="datetimeFigureOut">
               <a:rPr lang="zh-CN" altLang="en-US" smtClean="0"/>
-              <a:t>2023-1-10</a:t>
+              <a:t>2023-1-21</a:t>
             </a:fld>
             <a:endParaRPr lang="zh-CN" altLang="en-US"/>
           </a:p>
@@ -1883,7 +1883,7 @@
     </p:spTree>
     <p:extLst>
       <p:ext uri="{BB962C8B-B14F-4D97-AF65-F5344CB8AC3E}">
-        <p14:creationId xmlns:p14="http://schemas.microsoft.com/office/powerpoint/2010/main" val="1372986420"/>
+        <p14:creationId xmlns:p14="http://schemas.microsoft.com/office/powerpoint/2010/main" val="1455740929"/>
       </p:ext>
     </p:extLst>
   </p:cSld>
@@ -2109,7 +2109,7 @@
           <a:p>
             <a:fld id="{C07FA1C5-4E88-460E-ADE5-BF3AC8D5E403}" type="datetimeFigureOut">
               <a:rPr lang="zh-CN" altLang="en-US" smtClean="0"/>
-              <a:t>2023-1-10</a:t>
+              <a:t>2023-1-21</a:t>
             </a:fld>
             <a:endParaRPr lang="zh-CN" altLang="en-US"/>
           </a:p>
@@ -2160,7 +2160,7 @@
     </p:spTree>
     <p:extLst>
       <p:ext uri="{BB962C8B-B14F-4D97-AF65-F5344CB8AC3E}">
-        <p14:creationId xmlns:p14="http://schemas.microsoft.com/office/powerpoint/2010/main" val="3440595366"/>
+        <p14:creationId xmlns:p14="http://schemas.microsoft.com/office/powerpoint/2010/main" val="185463222"/>
       </p:ext>
     </p:extLst>
   </p:cSld>
@@ -2366,7 +2366,7 @@
           <a:p>
             <a:fld id="{C07FA1C5-4E88-460E-ADE5-BF3AC8D5E403}" type="datetimeFigureOut">
               <a:rPr lang="zh-CN" altLang="en-US" smtClean="0"/>
-              <a:t>2023-1-10</a:t>
+              <a:t>2023-1-21</a:t>
             </a:fld>
             <a:endParaRPr lang="zh-CN" altLang="en-US"/>
           </a:p>
@@ -2417,7 +2417,7 @@
     </p:spTree>
     <p:extLst>
       <p:ext uri="{BB962C8B-B14F-4D97-AF65-F5344CB8AC3E}">
-        <p14:creationId xmlns:p14="http://schemas.microsoft.com/office/powerpoint/2010/main" val="2585686585"/>
+        <p14:creationId xmlns:p14="http://schemas.microsoft.com/office/powerpoint/2010/main" val="49217981"/>
       </p:ext>
     </p:extLst>
   </p:cSld>
@@ -2579,7 +2579,7 @@
           <a:p>
             <a:fld id="{C07FA1C5-4E88-460E-ADE5-BF3AC8D5E403}" type="datetimeFigureOut">
               <a:rPr lang="zh-CN" altLang="en-US" smtClean="0"/>
-              <a:t>2023-1-10</a:t>
+              <a:t>2023-1-21</a:t>
             </a:fld>
             <a:endParaRPr lang="zh-CN" altLang="en-US"/>
           </a:p>
@@ -2666,7 +2666,7 @@
     </p:spTree>
     <p:extLst>
       <p:ext uri="{BB962C8B-B14F-4D97-AF65-F5344CB8AC3E}">
-        <p14:creationId xmlns:p14="http://schemas.microsoft.com/office/powerpoint/2010/main" val="2421509585"/>
+        <p14:creationId xmlns:p14="http://schemas.microsoft.com/office/powerpoint/2010/main" val="8468680"/>
       </p:ext>
     </p:extLst>
   </p:cSld>
@@ -3006,8 +3006,8 @@
         </p:nvSpPr>
         <p:spPr>
           <a:xfrm>
-            <a:off x="3374418" y="624811"/>
-            <a:ext cx="6262314" cy="738668"/>
+            <a:off x="2558415" y="824565"/>
+            <a:ext cx="7894320" cy="892556"/>
           </a:xfrm>
           <a:prstGeom prst="rect">
             <a:avLst/>
@@ -3022,7 +3022,7 @@
           <a:p>
             <a:pPr algn="ctr"/>
             <a:r>
-              <a:rPr lang="en-US" altLang="zh-CN" sz="4400" dirty="0">
+              <a:rPr lang="en-US" altLang="zh-CN" sz="5400" dirty="0">
                 <a:ln w="0"/>
                 <a:effectLst>
                   <a:outerShdw blurRad="38100" dist="19050" dir="2700000" algn="tl" rotWithShape="0">
@@ -3036,7 +3036,7 @@
               <a:t>Bootloader </a:t>
             </a:r>
             <a:r>
-              <a:rPr lang="en-US" altLang="zh-CN" sz="4400" dirty="0">
+              <a:rPr lang="en-US" altLang="zh-CN" sz="5400" dirty="0">
                 <a:ln w="0"/>
                 <a:solidFill>
                   <a:srgbClr val="006BC6"/>
@@ -3053,7 +3053,7 @@
               <a:t>for</a:t>
             </a:r>
             <a:r>
-              <a:rPr lang="en-US" altLang="zh-CN" sz="4400" dirty="0">
+              <a:rPr lang="en-US" altLang="zh-CN" sz="5400" dirty="0">
                 <a:ln w="0"/>
                 <a:effectLst>
                   <a:outerShdw blurRad="38100" dist="19050" dir="2700000" algn="tl" rotWithShape="0">
@@ -3067,7 +3067,7 @@
               <a:t> </a:t>
             </a:r>
             <a:r>
-              <a:rPr lang="en-US" altLang="zh-CN" sz="4400" dirty="0" err="1">
+              <a:rPr lang="en-US" altLang="zh-CN" sz="5400" dirty="0" err="1">
                 <a:ln w="0"/>
                 <a:effectLst>
                   <a:outerShdw blurRad="38100" dist="19050" dir="2700000" algn="tl" rotWithShape="0">
@@ -3080,7 +3080,7 @@
               </a:rPr>
               <a:t>BlissOS</a:t>
             </a:r>
-            <a:endParaRPr lang="zh-CN" altLang="en-US" sz="4400" dirty="0">
+            <a:endParaRPr lang="zh-CN" altLang="en-US" sz="5400" dirty="0">
               <a:ln w="0"/>
               <a:effectLst>
                 <a:outerShdw blurRad="38100" dist="19050" dir="2700000" algn="tl" rotWithShape="0">
@@ -3094,12 +3094,48 @@
           </a:p>
         </p:txBody>
       </p:sp>
+      <p:pic>
+        <p:nvPicPr>
+          <p:cNvPr id="7" name="图片 6">
+            <a:extLst>
+              <a:ext uri="{FF2B5EF4-FFF2-40B4-BE49-F238E27FC236}">
+                <a16:creationId xmlns:a16="http://schemas.microsoft.com/office/drawing/2014/main" id="{47313D01-4DE3-6AE9-1304-8B849DB13C0F}"/>
+              </a:ext>
+            </a:extLst>
+          </p:cNvPr>
+          <p:cNvPicPr>
+            <a:picLocks noChangeAspect="1"/>
+          </p:cNvPicPr>
+          <p:nvPr/>
+        </p:nvPicPr>
+        <p:blipFill>
+          <a:blip r:embed="rId2">
+            <a:extLst>
+              <a:ext uri="{28A0092B-C50C-407E-A947-70E740481C1C}">
+                <a14:useLocalDpi xmlns:a14="http://schemas.microsoft.com/office/drawing/2010/main" val="0"/>
+              </a:ext>
+            </a:extLst>
+          </a:blip>
+          <a:stretch>
+            <a:fillRect/>
+          </a:stretch>
+        </p:blipFill>
+        <p:spPr>
+          <a:xfrm>
+            <a:off x="10452735" y="416187"/>
+            <a:ext cx="1665102" cy="1665102"/>
+          </a:xfrm>
+          <a:prstGeom prst="rect">
+            <a:avLst/>
+          </a:prstGeom>
+        </p:spPr>
+      </p:pic>
       <p:grpSp>
         <p:nvGrpSpPr>
-          <p:cNvPr id="12" name="组合 11">
+          <p:cNvPr id="2" name="组合 1">
             <a:extLst>
               <a:ext uri="{FF2B5EF4-FFF2-40B4-BE49-F238E27FC236}">
-                <a16:creationId xmlns:a16="http://schemas.microsoft.com/office/drawing/2014/main" id="{212CEDFF-168E-6D92-649E-C0533745EDB2}"/>
+                <a16:creationId xmlns:a16="http://schemas.microsoft.com/office/drawing/2014/main" id="{51746F8A-6CAD-5D2A-D14F-0ADF39A4CF49}"/>
               </a:ext>
             </a:extLst>
           </p:cNvPr>
@@ -3108,18 +3144,18 @@
         </p:nvGrpSpPr>
         <p:grpSpPr>
           <a:xfrm>
-            <a:off x="846957" y="19412"/>
-            <a:ext cx="2161546" cy="1992461"/>
-            <a:chOff x="558288" y="-138449"/>
-            <a:chExt cx="2161546" cy="1992461"/>
+            <a:off x="494115" y="302332"/>
+            <a:ext cx="2222191" cy="1937022"/>
+            <a:chOff x="497643" y="-55401"/>
+            <a:chExt cx="2222191" cy="1937022"/>
           </a:xfrm>
         </p:grpSpPr>
         <p:pic>
           <p:nvPicPr>
-            <p:cNvPr id="7" name="图片 6">
+            <p:cNvPr id="11" name="图片 10">
               <a:extLst>
                 <a:ext uri="{FF2B5EF4-FFF2-40B4-BE49-F238E27FC236}">
-                  <a16:creationId xmlns:a16="http://schemas.microsoft.com/office/drawing/2014/main" id="{47313D01-4DE3-6AE9-1304-8B849DB13C0F}"/>
+                  <a16:creationId xmlns:a16="http://schemas.microsoft.com/office/drawing/2014/main" id="{8BD66983-61AC-EBE8-8730-5B3DAB4C574D}"/>
                 </a:ext>
               </a:extLst>
             </p:cNvPr>
@@ -3128,22 +3164,21 @@
             </p:cNvPicPr>
             <p:nvPr/>
           </p:nvPicPr>
-          <p:blipFill>
-            <a:blip r:embed="rId2">
+          <p:blipFill rotWithShape="1">
+            <a:blip r:embed="rId3">
               <a:extLst>
                 <a:ext uri="{28A0092B-C50C-407E-A947-70E740481C1C}">
                   <a14:useLocalDpi xmlns:a14="http://schemas.microsoft.com/office/drawing/2010/main" val="0"/>
                 </a:ext>
               </a:extLst>
             </a:blip>
-            <a:stretch>
-              <a:fillRect/>
-            </a:stretch>
+            <a:srcRect b="32498"/>
+            <a:stretch/>
           </p:blipFill>
           <p:spPr>
             <a:xfrm>
-              <a:off x="558288" y="-138449"/>
-              <a:ext cx="1665102" cy="1665102"/>
+              <a:off x="497643" y="-55401"/>
+              <a:ext cx="1798318" cy="1213905"/>
             </a:xfrm>
             <a:prstGeom prst="rect">
               <a:avLst/>
@@ -3165,7 +3200,7 @@
             <p:nvPr/>
           </p:nvPicPr>
           <p:blipFill>
-            <a:blip r:embed="rId3">
+            <a:blip r:embed="rId4">
               <a:extLst>
                 <a:ext uri="{28A0092B-C50C-407E-A947-70E740481C1C}">
                   <a14:useLocalDpi xmlns:a14="http://schemas.microsoft.com/office/drawing/2010/main" val="0"/>
@@ -3178,7 +3213,7 @@
           </p:blipFill>
           <p:spPr>
             <a:xfrm>
-              <a:off x="1077277" y="901512"/>
+              <a:off x="1094457" y="929121"/>
               <a:ext cx="1452563" cy="952500"/>
             </a:xfrm>
             <a:prstGeom prst="rect">
@@ -3201,7 +3236,7 @@
             <p:nvPr/>
           </p:nvPicPr>
           <p:blipFill rotWithShape="1">
-            <a:blip r:embed="rId4">
+            <a:blip r:embed="rId5">
               <a:extLst>
                 <a:ext uri="{28A0092B-C50C-407E-A947-70E740481C1C}">
                   <a14:useLocalDpi xmlns:a14="http://schemas.microsoft.com/office/drawing/2010/main" val="0"/>
@@ -3222,41 +3257,6 @@
           </p:spPr>
         </p:pic>
       </p:grpSp>
-      <p:pic>
-        <p:nvPicPr>
-          <p:cNvPr id="11" name="图片 10">
-            <a:extLst>
-              <a:ext uri="{FF2B5EF4-FFF2-40B4-BE49-F238E27FC236}">
-                <a16:creationId xmlns:a16="http://schemas.microsoft.com/office/drawing/2014/main" id="{8BD66983-61AC-EBE8-8730-5B3DAB4C574D}"/>
-              </a:ext>
-            </a:extLst>
-          </p:cNvPr>
-          <p:cNvPicPr>
-            <a:picLocks noChangeAspect="1"/>
-          </p:cNvPicPr>
-          <p:nvPr/>
-        </p:nvPicPr>
-        <p:blipFill rotWithShape="1">
-          <a:blip r:embed="rId5">
-            <a:extLst>
-              <a:ext uri="{28A0092B-C50C-407E-A947-70E740481C1C}">
-                <a14:useLocalDpi xmlns:a14="http://schemas.microsoft.com/office/drawing/2010/main" val="0"/>
-              </a:ext>
-            </a:extLst>
-          </a:blip>
-          <a:srcRect b="32498"/>
-          <a:stretch/>
-        </p:blipFill>
-        <p:spPr>
-          <a:xfrm>
-            <a:off x="10368563" y="207587"/>
-            <a:ext cx="1798318" cy="1213905"/>
-          </a:xfrm>
-          <a:prstGeom prst="rect">
-            <a:avLst/>
-          </a:prstGeom>
-        </p:spPr>
-      </p:pic>
       <p:sp>
         <p:nvSpPr>
           <p:cNvPr id="13" name="文本框 12">
@@ -3271,7 +3271,7 @@
         </p:nvSpPr>
         <p:spPr>
           <a:xfrm>
-            <a:off x="2716307" y="6267155"/>
+            <a:off x="2716306" y="6136692"/>
             <a:ext cx="7578538" cy="707886"/>
           </a:xfrm>
           <a:prstGeom prst="rect">
@@ -3581,7 +3581,7 @@
   <a:extraClrSchemeLst/>
   <a:extLst>
     <a:ext uri="{05A4C25C-085E-4340-85A3-A5531E510DB2}">
-      <thm15:themeFamily xmlns:thm15="http://schemas.microsoft.com/office/thememl/2012/main" name="Office Theme" id="{62F939B6-93AF-4DB8-9C6B-D6C7DFDC589F}" vid="{4A3C46E8-61CC-4603-A589-7422A47A8E4A}"/>
+      <thm15:themeFamily xmlns:thm15="http://schemas.microsoft.com/office/thememl/2012/main" name="Office Theme 2013 - 2022" id="{62F939B6-93AF-4DB8-9C6B-D6C7DFDC589F}" vid="{4A3C46E8-61CC-4603-A589-7422A47A8E4A}"/>
     </a:ext>
   </a:extLst>
 </a:theme>
